--- a/Project 1 .pptx
+++ b/Project 1 .pptx
@@ -1000,7 +1000,7 @@
   <p:cSld>
     <p:spTree>
       <p:nvGrpSpPr>
-        <p:cNvPr id="121" name="Shape 121"/>
+        <p:cNvPr id="122" name="Shape 122"/>
         <p:cNvGrpSpPr/>
         <p:nvPr/>
       </p:nvGrpSpPr>
@@ -1014,7 +1014,7 @@
       </p:grpSpPr>
       <p:sp>
         <p:nvSpPr>
-          <p:cNvPr id="122" name="Google Shape;122;gc083d46950_0_5:notes"/>
+          <p:cNvPr id="123" name="Google Shape;123;gc083d46950_0_5:notes"/>
           <p:cNvSpPr/>
           <p:nvPr>
             <p:ph idx="2" type="sldImg"/>
@@ -1049,7 +1049,7 @@
       </p:sp>
       <p:sp>
         <p:nvSpPr>
-          <p:cNvPr id="123" name="Google Shape;123;gc083d46950_0_5:notes"/>
+          <p:cNvPr id="124" name="Google Shape;124;gc083d46950_0_5:notes"/>
           <p:cNvSpPr txBox="1"/>
           <p:nvPr>
             <p:ph idx="1" type="body"/>
@@ -1099,7 +1099,7 @@
   <p:cSld>
     <p:spTree>
       <p:nvGrpSpPr>
-        <p:cNvPr id="129" name="Shape 129"/>
+        <p:cNvPr id="130" name="Shape 130"/>
         <p:cNvGrpSpPr/>
         <p:nvPr/>
       </p:nvGrpSpPr>
@@ -1113,7 +1113,7 @@
       </p:grpSpPr>
       <p:sp>
         <p:nvSpPr>
-          <p:cNvPr id="130" name="Google Shape;130;gbf24d345e9_5_2:notes"/>
+          <p:cNvPr id="131" name="Google Shape;131;gbf24d345e9_5_2:notes"/>
           <p:cNvSpPr/>
           <p:nvPr>
             <p:ph idx="2" type="sldImg"/>
@@ -1148,7 +1148,7 @@
       </p:sp>
       <p:sp>
         <p:nvSpPr>
-          <p:cNvPr id="131" name="Google Shape;131;gbf24d345e9_5_2:notes"/>
+          <p:cNvPr id="132" name="Google Shape;132;gbf24d345e9_5_2:notes"/>
           <p:cNvSpPr txBox="1"/>
           <p:nvPr>
             <p:ph idx="1" type="body"/>
@@ -7041,7 +7041,7 @@
                   <a:srgbClr val="FFFF00"/>
                 </a:solidFill>
               </a:rPr>
-              <a:t>Moderately strong linear relationship.</a:t>
+              <a:t>Moderate linear relationship.</a:t>
             </a:r>
             <a:endParaRPr sz="1700">
               <a:solidFill>
@@ -7121,8 +7121,8 @@
         </p:nvSpPr>
         <p:spPr>
           <a:xfrm>
-            <a:off x="311700" y="156050"/>
-            <a:ext cx="8520600" cy="572700"/>
+            <a:off x="530425" y="0"/>
+            <a:ext cx="7971600" cy="373200"/>
           </a:xfrm>
           <a:prstGeom prst="rect">
             <a:avLst/>
@@ -7175,8 +7175,36 @@
         </p:blipFill>
         <p:spPr>
           <a:xfrm>
-            <a:off x="2403400" y="728750"/>
-            <a:ext cx="4822189" cy="4213050"/>
+            <a:off x="2516275" y="488825"/>
+            <a:ext cx="3798449" cy="3318625"/>
+          </a:xfrm>
+          <a:prstGeom prst="rect">
+            <a:avLst/>
+          </a:prstGeom>
+          <a:noFill/>
+          <a:ln>
+            <a:noFill/>
+          </a:ln>
+        </p:spPr>
+      </p:pic>
+      <p:pic>
+        <p:nvPicPr>
+          <p:cNvPr id="121" name="Google Shape;121;p23"/>
+          <p:cNvPicPr preferRelativeResize="0"/>
+          <p:nvPr/>
+        </p:nvPicPr>
+        <p:blipFill>
+          <a:blip r:embed="rId4">
+            <a:alphaModFix/>
+          </a:blip>
+          <a:stretch>
+            <a:fillRect/>
+          </a:stretch>
+        </p:blipFill>
+        <p:spPr>
+          <a:xfrm>
+            <a:off x="1946063" y="3880750"/>
+            <a:ext cx="4938875" cy="1232800"/>
           </a:xfrm>
           <a:prstGeom prst="rect">
             <a:avLst/>
@@ -7207,7 +7235,7 @@
     </p:bg>
     <p:spTree>
       <p:nvGrpSpPr>
-        <p:cNvPr id="124" name="Shape 124"/>
+        <p:cNvPr id="125" name="Shape 125"/>
         <p:cNvGrpSpPr/>
         <p:nvPr/>
       </p:nvGrpSpPr>
@@ -7221,7 +7249,7 @@
       </p:grpSpPr>
       <p:sp>
         <p:nvSpPr>
-          <p:cNvPr id="125" name="Google Shape;125;p24"/>
+          <p:cNvPr id="126" name="Google Shape;126;p24"/>
           <p:cNvSpPr txBox="1"/>
           <p:nvPr>
             <p:ph type="title"/>
@@ -7269,7 +7297,7 @@
       </p:sp>
       <p:sp>
         <p:nvSpPr>
-          <p:cNvPr id="126" name="Google Shape;126;p24"/>
+          <p:cNvPr id="127" name="Google Shape;127;p24"/>
           <p:cNvSpPr txBox="1"/>
           <p:nvPr>
             <p:ph idx="1" type="body"/>
@@ -7328,7 +7356,7 @@
       </p:sp>
       <p:pic>
         <p:nvPicPr>
-          <p:cNvPr id="127" name="Google Shape;127;p24"/>
+          <p:cNvPr id="128" name="Google Shape;128;p24"/>
           <p:cNvPicPr preferRelativeResize="0"/>
           <p:nvPr/>
         </p:nvPicPr>
@@ -7356,7 +7384,7 @@
       </p:pic>
       <p:pic>
         <p:nvPicPr>
-          <p:cNvPr id="128" name="Google Shape;128;p24"/>
+          <p:cNvPr id="129" name="Google Shape;129;p24"/>
           <p:cNvPicPr preferRelativeResize="0"/>
           <p:nvPr/>
         </p:nvPicPr>
@@ -7402,7 +7430,7 @@
     </p:bg>
     <p:spTree>
       <p:nvGrpSpPr>
-        <p:cNvPr id="132" name="Shape 132"/>
+        <p:cNvPr id="133" name="Shape 133"/>
         <p:cNvGrpSpPr/>
         <p:nvPr/>
       </p:nvGrpSpPr>
@@ -7416,7 +7444,7 @@
       </p:grpSpPr>
       <p:sp>
         <p:nvSpPr>
-          <p:cNvPr id="133" name="Google Shape;133;p25"/>
+          <p:cNvPr id="134" name="Google Shape;134;p25"/>
           <p:cNvSpPr txBox="1"/>
           <p:nvPr>
             <p:ph type="title"/>
@@ -7464,7 +7492,7 @@
       </p:sp>
       <p:sp>
         <p:nvSpPr>
-          <p:cNvPr id="134" name="Google Shape;134;p25"/>
+          <p:cNvPr id="135" name="Google Shape;135;p25"/>
           <p:cNvSpPr txBox="1"/>
           <p:nvPr>
             <p:ph idx="1" type="body"/>
@@ -7506,7 +7534,7 @@
       </p:sp>
       <p:pic>
         <p:nvPicPr>
-          <p:cNvPr id="135" name="Google Shape;135;p25"/>
+          <p:cNvPr id="136" name="Google Shape;136;p25"/>
           <p:cNvPicPr preferRelativeResize="0"/>
           <p:nvPr/>
         </p:nvPicPr>
@@ -7574,8 +7602,8 @@
         </p:nvSpPr>
         <p:spPr>
           <a:xfrm>
-            <a:off x="223450" y="189125"/>
-            <a:ext cx="8520600" cy="1133100"/>
+            <a:off x="195225" y="183425"/>
+            <a:ext cx="8520600" cy="776100"/>
           </a:xfrm>
           <a:prstGeom prst="rect">
             <a:avLst/>
@@ -7598,7 +7626,7 @@
               <a:buNone/>
             </a:pPr>
             <a:r>
-              <a:rPr lang="en" sz="3980">
+              <a:rPr lang="en" sz="1979">
                 <a:solidFill>
                   <a:srgbClr val="FFFFFF"/>
                 </a:solidFill>
@@ -7606,21 +7634,21 @@
               <a:t>What is the </a:t>
             </a:r>
             <a:br>
-              <a:rPr lang="en" sz="3980">
+              <a:rPr lang="en" sz="1979">
                 <a:solidFill>
                   <a:srgbClr val="FFFFFF"/>
                 </a:solidFill>
               </a:rPr>
             </a:br>
             <a:r>
-              <a:rPr lang="en" sz="3980">
+              <a:rPr lang="en" sz="1979">
                 <a:solidFill>
                   <a:srgbClr val="FFFFFF"/>
                 </a:solidFill>
               </a:rPr>
               <a:t>World Happiness Report?</a:t>
             </a:r>
-            <a:endParaRPr sz="3880">
+            <a:endParaRPr sz="1879">
               <a:solidFill>
                 <a:srgbClr val="FFFFFF"/>
               </a:solidFill>
@@ -7638,8 +7666,8 @@
         </p:nvSpPr>
         <p:spPr>
           <a:xfrm>
-            <a:off x="311700" y="1575825"/>
-            <a:ext cx="8520600" cy="2050800"/>
+            <a:off x="311700" y="959525"/>
+            <a:ext cx="8520600" cy="3930000"/>
           </a:xfrm>
           <a:prstGeom prst="rect">
             <a:avLst/>
@@ -7647,7 +7675,7 @@
         </p:spPr>
         <p:txBody>
           <a:bodyPr anchorCtr="0" anchor="t" bIns="91425" lIns="91425" spcFirstLastPara="1" rIns="91425" wrap="square" tIns="91425">
-            <a:normAutofit/>
+            <a:normAutofit fontScale="25000" lnSpcReduction="20000"/>
           </a:bodyPr>
           <a:lstStyle/>
           <a:p>
@@ -7661,7 +7689,7 @@
               <a:buNone/>
             </a:pPr>
             <a:r>
-              <a:rPr lang="en">
+              <a:rPr lang="en" sz="5696">
                 <a:solidFill>
                   <a:srgbClr val="FFFF00"/>
                 </a:solidFill>
@@ -7669,52 +7697,554 @@
               <a:t>First </a:t>
             </a:r>
             <a:r>
-              <a:rPr lang="en">
+              <a:rPr lang="en" sz="5696">
                 <a:solidFill>
                   <a:srgbClr val="FFFF00"/>
                 </a:solidFill>
               </a:rPr>
-              <a:t>published</a:t>
-            </a:r>
-            <a:r>
-              <a:rPr lang="en">
+              <a:t>published on March 20, </a:t>
+            </a:r>
+            <a:r>
+              <a:rPr lang="en" sz="5696">
                 <a:solidFill>
                   <a:srgbClr val="FFFF00"/>
                 </a:solidFill>
               </a:rPr>
-              <a:t> in 2012 the world </a:t>
-            </a:r>
-            <a:r>
-              <a:rPr lang="en">
+              <a:t>2012 after the UN General Assembly passed a resolution inspired by Bhutan’s philosophy of “Gross Domestic Happiness” which </a:t>
+            </a:r>
+            <a:r>
+              <a:rPr lang="en" sz="5696">
                 <a:solidFill>
                   <a:srgbClr val="FFFF00"/>
                 </a:solidFill>
               </a:rPr>
-              <a:t>happiness</a:t>
-            </a:r>
-            <a:r>
-              <a:rPr lang="en">
+              <a:t>encourages</a:t>
+            </a:r>
+            <a:r>
+              <a:rPr lang="en" sz="5696">
                 <a:solidFill>
                   <a:srgbClr val="FFFF00"/>
                 </a:solidFill>
               </a:rPr>
-              <a:t> report looks at </a:t>
-            </a:r>
-            <a:r>
-              <a:rPr i="1" lang="en">
+              <a:t> </a:t>
+            </a:r>
+            <a:r>
+              <a:rPr lang="en" sz="5696">
                 <a:solidFill>
                   <a:srgbClr val="FFFF00"/>
                 </a:solidFill>
               </a:rPr>
-              <a:t>6</a:t>
-            </a:r>
-            <a:r>
-              <a:rPr lang="en">
+              <a:t>the</a:t>
+            </a:r>
+            <a:r>
+              <a:rPr lang="en" sz="5696">
                 <a:solidFill>
                   <a:srgbClr val="FFFF00"/>
                 </a:solidFill>
               </a:rPr>
-              <a:t> critical variable indicators of a nation’s economic and social development.</a:t>
+              <a:t> following: </a:t>
+            </a:r>
+            <a:endParaRPr sz="5696">
+              <a:solidFill>
+                <a:srgbClr val="FFFF00"/>
+              </a:solidFill>
+            </a:endParaRPr>
+          </a:p>
+          <a:p>
+            <a:pPr indent="0" lvl="0" marL="0" rtl="0" algn="l">
+              <a:spcBef>
+                <a:spcPts val="0"/>
+              </a:spcBef>
+              <a:spcAft>
+                <a:spcPts val="0"/>
+              </a:spcAft>
+              <a:buNone/>
+            </a:pPr>
+            <a:r>
+              <a:t/>
+            </a:r>
+            <a:endParaRPr i="1" sz="5696">
+              <a:solidFill>
+                <a:srgbClr val="FFFF00"/>
+              </a:solidFill>
+            </a:endParaRPr>
+          </a:p>
+          <a:p>
+            <a:pPr indent="0" lvl="0" marL="0" rtl="0" algn="l">
+              <a:spcBef>
+                <a:spcPts val="0"/>
+              </a:spcBef>
+              <a:spcAft>
+                <a:spcPts val="0"/>
+              </a:spcAft>
+              <a:buNone/>
+            </a:pPr>
+            <a:r>
+              <a:rPr i="1" lang="en" sz="5696">
+                <a:solidFill>
+                  <a:srgbClr val="FFFF00"/>
+                </a:solidFill>
+              </a:rPr>
+              <a:t>“giving more importance to happiness and well-being in </a:t>
+            </a:r>
+            <a:r>
+              <a:rPr i="1" lang="en" sz="5696">
+                <a:solidFill>
+                  <a:srgbClr val="FFFF00"/>
+                </a:solidFill>
+              </a:rPr>
+              <a:t>determining</a:t>
+            </a:r>
+            <a:r>
+              <a:rPr i="1" lang="en" sz="5696">
+                <a:solidFill>
+                  <a:srgbClr val="FFFF00"/>
+                </a:solidFill>
+              </a:rPr>
+              <a:t> how to achieve and </a:t>
+            </a:r>
+            <a:r>
+              <a:rPr i="1" lang="en" sz="5696">
+                <a:solidFill>
+                  <a:srgbClr val="FFFF00"/>
+                </a:solidFill>
+              </a:rPr>
+              <a:t>measure</a:t>
+            </a:r>
+            <a:r>
+              <a:rPr i="1" lang="en" sz="5696">
+                <a:solidFill>
+                  <a:srgbClr val="FFFF00"/>
+                </a:solidFill>
+              </a:rPr>
+              <a:t> social and economic development” </a:t>
+            </a:r>
+            <a:endParaRPr i="1" sz="5696">
+              <a:solidFill>
+                <a:srgbClr val="FFFF00"/>
+              </a:solidFill>
+            </a:endParaRPr>
+          </a:p>
+          <a:p>
+            <a:pPr indent="0" lvl="0" marL="0" rtl="0" algn="l">
+              <a:spcBef>
+                <a:spcPts val="0"/>
+              </a:spcBef>
+              <a:spcAft>
+                <a:spcPts val="0"/>
+              </a:spcAft>
+              <a:buNone/>
+            </a:pPr>
+            <a:r>
+              <a:t/>
+            </a:r>
+            <a:endParaRPr i="1" sz="5696">
+              <a:solidFill>
+                <a:srgbClr val="FFFF00"/>
+              </a:solidFill>
+            </a:endParaRPr>
+          </a:p>
+          <a:p>
+            <a:pPr indent="0" lvl="0" marL="0" rtl="0" algn="l">
+              <a:spcBef>
+                <a:spcPts val="0"/>
+              </a:spcBef>
+              <a:spcAft>
+                <a:spcPts val="0"/>
+              </a:spcAft>
+              <a:buNone/>
+            </a:pPr>
+            <a:r>
+              <a:rPr lang="en" sz="5696">
+                <a:solidFill>
+                  <a:srgbClr val="FFFF00"/>
+                </a:solidFill>
+              </a:rPr>
+              <a:t>The report is based on a variety of data, but relies mostly on the Gallup World Poll.</a:t>
+            </a:r>
+            <a:endParaRPr sz="5696">
+              <a:solidFill>
+                <a:srgbClr val="FFFF00"/>
+              </a:solidFill>
+            </a:endParaRPr>
+          </a:p>
+          <a:p>
+            <a:pPr indent="0" lvl="0" marL="0" rtl="0" algn="l">
+              <a:spcBef>
+                <a:spcPts val="0"/>
+              </a:spcBef>
+              <a:spcAft>
+                <a:spcPts val="0"/>
+              </a:spcAft>
+              <a:buNone/>
+            </a:pPr>
+            <a:r>
+              <a:t/>
+            </a:r>
+            <a:endParaRPr sz="5696">
+              <a:solidFill>
+                <a:srgbClr val="FFFF00"/>
+              </a:solidFill>
+            </a:endParaRPr>
+          </a:p>
+          <a:p>
+            <a:pPr indent="0" lvl="0" marL="0" rtl="0" algn="l">
+              <a:spcBef>
+                <a:spcPts val="0"/>
+              </a:spcBef>
+              <a:spcAft>
+                <a:spcPts val="0"/>
+              </a:spcAft>
+              <a:buNone/>
+            </a:pPr>
+            <a:r>
+              <a:rPr lang="en" sz="5696">
+                <a:solidFill>
+                  <a:srgbClr val="FFFF00"/>
+                </a:solidFill>
+              </a:rPr>
+              <a:t>Cantril Ladder Scale- </a:t>
+            </a:r>
+            <a:endParaRPr sz="5696">
+              <a:solidFill>
+                <a:srgbClr val="FFFF00"/>
+              </a:solidFill>
+            </a:endParaRPr>
+          </a:p>
+          <a:p>
+            <a:pPr indent="0" lvl="0" marL="457200" rtl="0" algn="l">
+              <a:spcBef>
+                <a:spcPts val="0"/>
+              </a:spcBef>
+              <a:spcAft>
+                <a:spcPts val="0"/>
+              </a:spcAft>
+              <a:buNone/>
+            </a:pPr>
+            <a:r>
+              <a:t/>
+            </a:r>
+            <a:endParaRPr i="1" sz="1350">
+              <a:solidFill>
+                <a:schemeClr val="dk1"/>
+              </a:solidFill>
+              <a:highlight>
+                <a:srgbClr val="FFFFFF"/>
+              </a:highlight>
+            </a:endParaRPr>
+          </a:p>
+          <a:p>
+            <a:pPr indent="0" lvl="0" marL="457200" rtl="0" algn="l">
+              <a:spcBef>
+                <a:spcPts val="0"/>
+              </a:spcBef>
+              <a:spcAft>
+                <a:spcPts val="0"/>
+              </a:spcAft>
+              <a:buNone/>
+            </a:pPr>
+            <a:r>
+              <a:t/>
+            </a:r>
+            <a:endParaRPr i="1" sz="1350">
+              <a:solidFill>
+                <a:schemeClr val="dk1"/>
+              </a:solidFill>
+              <a:highlight>
+                <a:srgbClr val="FFFFFF"/>
+              </a:highlight>
+            </a:endParaRPr>
+          </a:p>
+          <a:p>
+            <a:pPr indent="0" lvl="0" marL="457200" rtl="0" algn="l">
+              <a:spcBef>
+                <a:spcPts val="0"/>
+              </a:spcBef>
+              <a:spcAft>
+                <a:spcPts val="0"/>
+              </a:spcAft>
+              <a:buNone/>
+            </a:pPr>
+            <a:r>
+              <a:t/>
+            </a:r>
+            <a:endParaRPr i="1" sz="1350">
+              <a:solidFill>
+                <a:schemeClr val="dk1"/>
+              </a:solidFill>
+              <a:highlight>
+                <a:srgbClr val="FFFFFF"/>
+              </a:highlight>
+            </a:endParaRPr>
+          </a:p>
+          <a:p>
+            <a:pPr indent="0" lvl="0" marL="457200" rtl="0" algn="l">
+              <a:spcBef>
+                <a:spcPts val="0"/>
+              </a:spcBef>
+              <a:spcAft>
+                <a:spcPts val="0"/>
+              </a:spcAft>
+              <a:buNone/>
+            </a:pPr>
+            <a:r>
+              <a:t/>
+            </a:r>
+            <a:endParaRPr i="1" sz="1350">
+              <a:solidFill>
+                <a:schemeClr val="dk1"/>
+              </a:solidFill>
+              <a:highlight>
+                <a:srgbClr val="FFFFFF"/>
+              </a:highlight>
+            </a:endParaRPr>
+          </a:p>
+          <a:p>
+            <a:pPr indent="0" lvl="0" marL="457200" rtl="0" algn="l">
+              <a:spcBef>
+                <a:spcPts val="0"/>
+              </a:spcBef>
+              <a:spcAft>
+                <a:spcPts val="0"/>
+              </a:spcAft>
+              <a:buNone/>
+            </a:pPr>
+            <a:r>
+              <a:t/>
+            </a:r>
+            <a:endParaRPr i="1" sz="1350">
+              <a:solidFill>
+                <a:schemeClr val="dk1"/>
+              </a:solidFill>
+              <a:highlight>
+                <a:srgbClr val="FFFFFF"/>
+              </a:highlight>
+            </a:endParaRPr>
+          </a:p>
+          <a:p>
+            <a:pPr indent="0" lvl="0" marL="457200" rtl="0" algn="l">
+              <a:spcBef>
+                <a:spcPts val="0"/>
+              </a:spcBef>
+              <a:spcAft>
+                <a:spcPts val="0"/>
+              </a:spcAft>
+              <a:buNone/>
+            </a:pPr>
+            <a:r>
+              <a:t/>
+            </a:r>
+            <a:endParaRPr i="1" sz="1350">
+              <a:solidFill>
+                <a:schemeClr val="dk1"/>
+              </a:solidFill>
+              <a:highlight>
+                <a:srgbClr val="FFFFFF"/>
+              </a:highlight>
+            </a:endParaRPr>
+          </a:p>
+          <a:p>
+            <a:pPr indent="0" lvl="0" marL="457200" rtl="0" algn="l">
+              <a:spcBef>
+                <a:spcPts val="0"/>
+              </a:spcBef>
+              <a:spcAft>
+                <a:spcPts val="0"/>
+              </a:spcAft>
+              <a:buNone/>
+            </a:pPr>
+            <a:r>
+              <a:t/>
+            </a:r>
+            <a:endParaRPr i="1" sz="1350">
+              <a:solidFill>
+                <a:schemeClr val="dk1"/>
+              </a:solidFill>
+              <a:highlight>
+                <a:srgbClr val="FFFFFF"/>
+              </a:highlight>
+            </a:endParaRPr>
+          </a:p>
+          <a:p>
+            <a:pPr indent="-304800" lvl="0" marL="457200" rtl="0" algn="l">
+              <a:lnSpc>
+                <a:spcPct val="200000"/>
+              </a:lnSpc>
+              <a:spcBef>
+                <a:spcPts val="0"/>
+              </a:spcBef>
+              <a:spcAft>
+                <a:spcPts val="0"/>
+              </a:spcAft>
+              <a:buClr>
+                <a:srgbClr val="FFFF00"/>
+              </a:buClr>
+              <a:buSzPct val="100000"/>
+              <a:buChar char="●"/>
+            </a:pPr>
+            <a:r>
+              <a:rPr i="1" lang="en" sz="4800">
+                <a:solidFill>
+                  <a:srgbClr val="FFFF00"/>
+                </a:solidFill>
+                <a:highlight>
+                  <a:srgbClr val="1C4587"/>
+                </a:highlight>
+              </a:rPr>
+              <a:t>Please imagine a ladder with steps numbered from zero at the bottom to 10 at the top.</a:t>
+            </a:r>
+            <a:endParaRPr i="1" sz="4800">
+              <a:solidFill>
+                <a:srgbClr val="FFFF00"/>
+              </a:solidFill>
+              <a:highlight>
+                <a:srgbClr val="1C4587"/>
+              </a:highlight>
+            </a:endParaRPr>
+          </a:p>
+          <a:p>
+            <a:pPr indent="-304800" lvl="0" marL="457200" rtl="0" algn="l">
+              <a:lnSpc>
+                <a:spcPct val="200000"/>
+              </a:lnSpc>
+              <a:spcBef>
+                <a:spcPts val="0"/>
+              </a:spcBef>
+              <a:spcAft>
+                <a:spcPts val="0"/>
+              </a:spcAft>
+              <a:buClr>
+                <a:srgbClr val="FFFF00"/>
+              </a:buClr>
+              <a:buSzPct val="100000"/>
+              <a:buChar char="●"/>
+            </a:pPr>
+            <a:r>
+              <a:rPr i="1" lang="en" sz="4800">
+                <a:solidFill>
+                  <a:srgbClr val="FFFF00"/>
+                </a:solidFill>
+                <a:highlight>
+                  <a:srgbClr val="1C4587"/>
+                </a:highlight>
+              </a:rPr>
+              <a:t>The top of the ladder represents the best possible life for you and the bottom of the ladder represents the worst possible life for you.</a:t>
+            </a:r>
+            <a:endParaRPr i="1" sz="4800">
+              <a:solidFill>
+                <a:srgbClr val="FFFF00"/>
+              </a:solidFill>
+              <a:highlight>
+                <a:srgbClr val="1C4587"/>
+              </a:highlight>
+            </a:endParaRPr>
+          </a:p>
+          <a:p>
+            <a:pPr indent="-304800" lvl="0" marL="457200" rtl="0" algn="l">
+              <a:lnSpc>
+                <a:spcPct val="200000"/>
+              </a:lnSpc>
+              <a:spcBef>
+                <a:spcPts val="0"/>
+              </a:spcBef>
+              <a:spcAft>
+                <a:spcPts val="0"/>
+              </a:spcAft>
+              <a:buClr>
+                <a:srgbClr val="FFFF00"/>
+              </a:buClr>
+              <a:buSzPct val="100000"/>
+              <a:buChar char="●"/>
+            </a:pPr>
+            <a:r>
+              <a:rPr i="1" lang="en" sz="4800">
+                <a:solidFill>
+                  <a:srgbClr val="FFFF00"/>
+                </a:solidFill>
+                <a:highlight>
+                  <a:srgbClr val="1C4587"/>
+                </a:highlight>
+              </a:rPr>
+              <a:t>On which step of the ladder would you say you personally feel you stand at this time?</a:t>
+            </a:r>
+            <a:endParaRPr i="1" sz="4800">
+              <a:solidFill>
+                <a:srgbClr val="FFFF00"/>
+              </a:solidFill>
+              <a:highlight>
+                <a:srgbClr val="1C4587"/>
+              </a:highlight>
+            </a:endParaRPr>
+          </a:p>
+          <a:p>
+            <a:pPr indent="0" lvl="0" marL="0" rtl="0" algn="l">
+              <a:spcBef>
+                <a:spcPts val="1100"/>
+              </a:spcBef>
+              <a:spcAft>
+                <a:spcPts val="0"/>
+              </a:spcAft>
+              <a:buNone/>
+            </a:pPr>
+            <a:r>
+              <a:t/>
+            </a:r>
+            <a:endParaRPr>
+              <a:solidFill>
+                <a:srgbClr val="FFFF00"/>
+              </a:solidFill>
+            </a:endParaRPr>
+          </a:p>
+          <a:p>
+            <a:pPr indent="0" lvl="0" marL="0" rtl="0" algn="l">
+              <a:spcBef>
+                <a:spcPts val="0"/>
+              </a:spcBef>
+              <a:spcAft>
+                <a:spcPts val="0"/>
+              </a:spcAft>
+              <a:buNone/>
+            </a:pPr>
+            <a:r>
+              <a:t/>
+            </a:r>
+            <a:endParaRPr>
+              <a:solidFill>
+                <a:srgbClr val="FFFF00"/>
+              </a:solidFill>
+            </a:endParaRPr>
+          </a:p>
+          <a:p>
+            <a:pPr indent="0" lvl="0" marL="0" rtl="0" algn="l">
+              <a:spcBef>
+                <a:spcPts val="0"/>
+              </a:spcBef>
+              <a:spcAft>
+                <a:spcPts val="0"/>
+              </a:spcAft>
+              <a:buNone/>
+            </a:pPr>
+            <a:r>
+              <a:t/>
+            </a:r>
+            <a:endParaRPr>
+              <a:solidFill>
+                <a:srgbClr val="FFFF00"/>
+              </a:solidFill>
+            </a:endParaRPr>
+          </a:p>
+          <a:p>
+            <a:pPr indent="0" lvl="0" marL="0" rtl="0" algn="l">
+              <a:spcBef>
+                <a:spcPts val="0"/>
+              </a:spcBef>
+              <a:spcAft>
+                <a:spcPts val="0"/>
+              </a:spcAft>
+              <a:buNone/>
+            </a:pPr>
+            <a:r>
+              <a:t/>
             </a:r>
             <a:endParaRPr>
               <a:solidFill>
@@ -8168,7 +8698,39 @@
                   <a:srgbClr val="FFFF00"/>
                 </a:solidFill>
               </a:rPr>
-              <a:t>If a larger portion of GDP is put into charitable causes, then that country will have a higher happiness score.</a:t>
+              <a:t>If a country has a high </a:t>
+            </a:r>
+            <a:r>
+              <a:rPr lang="en">
+                <a:solidFill>
+                  <a:srgbClr val="FFFF00"/>
+                </a:solidFill>
+              </a:rPr>
+              <a:t>score</a:t>
+            </a:r>
+            <a:r>
+              <a:rPr lang="en">
+                <a:solidFill>
+                  <a:srgbClr val="FFFF00"/>
+                </a:solidFill>
+              </a:rPr>
+              <a:t> in ‘</a:t>
+            </a:r>
+            <a:r>
+              <a:rPr lang="en">
+                <a:solidFill>
+                  <a:srgbClr val="FFFF00"/>
+                </a:solidFill>
+              </a:rPr>
+              <a:t>generosity</a:t>
+            </a:r>
+            <a:r>
+              <a:rPr lang="en">
+                <a:solidFill>
+                  <a:srgbClr val="FFFF00"/>
+                </a:solidFill>
+              </a:rPr>
+              <a:t>’, then that country will have a higher happiness score.</a:t>
             </a:r>
             <a:endParaRPr>
               <a:solidFill>
@@ -9297,7 +9859,7 @@
                   <a:srgbClr val="FFFF00"/>
                 </a:solidFill>
               </a:rPr>
-              <a:t>Moderately strong linear relationship. </a:t>
+              <a:t>Moderate linear relationship. </a:t>
             </a:r>
             <a:endParaRPr sz="1600">
               <a:solidFill>
